--- a/05_Servisi/05 Servisi.pptx
+++ b/05_Servisi/05 Servisi.pptx
@@ -328,7 +328,7 @@
           <a:p>
             <a:fld id="{2986D4BE-532F-443B-99AA-016C229502D5}" type="datetimeFigureOut">
               <a:rPr lang="en-GB" smtClean="0"/>
-              <a:t>07/05/2016</a:t>
+              <a:t>11/05/2016</a:t>
             </a:fld>
             <a:endParaRPr lang="en-GB"/>
           </a:p>
@@ -498,7 +498,7 @@
           <a:p>
             <a:fld id="{2986D4BE-532F-443B-99AA-016C229502D5}" type="datetimeFigureOut">
               <a:rPr lang="en-GB" smtClean="0"/>
-              <a:t>07/05/2016</a:t>
+              <a:t>11/05/2016</a:t>
             </a:fld>
             <a:endParaRPr lang="en-GB"/>
           </a:p>
@@ -678,7 +678,7 @@
           <a:p>
             <a:fld id="{2986D4BE-532F-443B-99AA-016C229502D5}" type="datetimeFigureOut">
               <a:rPr lang="en-GB" smtClean="0"/>
-              <a:t>07/05/2016</a:t>
+              <a:t>11/05/2016</a:t>
             </a:fld>
             <a:endParaRPr lang="en-GB"/>
           </a:p>
@@ -848,7 +848,7 @@
           <a:p>
             <a:fld id="{2986D4BE-532F-443B-99AA-016C229502D5}" type="datetimeFigureOut">
               <a:rPr lang="en-GB" smtClean="0"/>
-              <a:t>07/05/2016</a:t>
+              <a:t>11/05/2016</a:t>
             </a:fld>
             <a:endParaRPr lang="en-GB"/>
           </a:p>
@@ -1094,7 +1094,7 @@
           <a:p>
             <a:fld id="{2986D4BE-532F-443B-99AA-016C229502D5}" type="datetimeFigureOut">
               <a:rPr lang="en-GB" smtClean="0"/>
-              <a:t>07/05/2016</a:t>
+              <a:t>11/05/2016</a:t>
             </a:fld>
             <a:endParaRPr lang="en-GB"/>
           </a:p>
@@ -1382,7 +1382,7 @@
           <a:p>
             <a:fld id="{2986D4BE-532F-443B-99AA-016C229502D5}" type="datetimeFigureOut">
               <a:rPr lang="en-GB" smtClean="0"/>
-              <a:t>07/05/2016</a:t>
+              <a:t>11/05/2016</a:t>
             </a:fld>
             <a:endParaRPr lang="en-GB"/>
           </a:p>
@@ -1804,7 +1804,7 @@
           <a:p>
             <a:fld id="{2986D4BE-532F-443B-99AA-016C229502D5}" type="datetimeFigureOut">
               <a:rPr lang="en-GB" smtClean="0"/>
-              <a:t>07/05/2016</a:t>
+              <a:t>11/05/2016</a:t>
             </a:fld>
             <a:endParaRPr lang="en-GB"/>
           </a:p>
@@ -1922,7 +1922,7 @@
           <a:p>
             <a:fld id="{2986D4BE-532F-443B-99AA-016C229502D5}" type="datetimeFigureOut">
               <a:rPr lang="en-GB" smtClean="0"/>
-              <a:t>07/05/2016</a:t>
+              <a:t>11/05/2016</a:t>
             </a:fld>
             <a:endParaRPr lang="en-GB"/>
           </a:p>
@@ -2017,7 +2017,7 @@
           <a:p>
             <a:fld id="{2986D4BE-532F-443B-99AA-016C229502D5}" type="datetimeFigureOut">
               <a:rPr lang="en-GB" smtClean="0"/>
-              <a:t>07/05/2016</a:t>
+              <a:t>11/05/2016</a:t>
             </a:fld>
             <a:endParaRPr lang="en-GB"/>
           </a:p>
@@ -2294,7 +2294,7 @@
           <a:p>
             <a:fld id="{2986D4BE-532F-443B-99AA-016C229502D5}" type="datetimeFigureOut">
               <a:rPr lang="en-GB" smtClean="0"/>
-              <a:t>07/05/2016</a:t>
+              <a:t>11/05/2016</a:t>
             </a:fld>
             <a:endParaRPr lang="en-GB"/>
           </a:p>
@@ -2547,7 +2547,7 @@
           <a:p>
             <a:fld id="{2986D4BE-532F-443B-99AA-016C229502D5}" type="datetimeFigureOut">
               <a:rPr lang="en-GB" smtClean="0"/>
-              <a:t>07/05/2016</a:t>
+              <a:t>11/05/2016</a:t>
             </a:fld>
             <a:endParaRPr lang="en-GB"/>
           </a:p>
@@ -2760,7 +2760,7 @@
           <a:p>
             <a:fld id="{2986D4BE-532F-443B-99AA-016C229502D5}" type="datetimeFigureOut">
               <a:rPr lang="en-GB" smtClean="0"/>
-              <a:t>07/05/2016</a:t>
+              <a:t>11/05/2016</a:t>
             </a:fld>
             <a:endParaRPr lang="en-GB"/>
           </a:p>
@@ -4883,6 +4883,14 @@
               <a:rPr lang="sr-Latn-RS" dirty="0" smtClean="0"/>
               <a:t>Injektor</a:t>
             </a:r>
+            <a:r>
+              <a:rPr lang="sr-Cyrl-RS" dirty="0" smtClean="0"/>
+              <a:t> </a:t>
+            </a:r>
+            <a:r>
+              <a:rPr lang="sr-Latn-RS" dirty="0" smtClean="0"/>
+              <a:t>revisited</a:t>
+            </a:r>
             <a:endParaRPr lang="en-GB" dirty="0"/>
           </a:p>
         </p:txBody>
@@ -5387,11 +5395,25 @@
               <a:t>. </a:t>
             </a:r>
             <a:r>
+              <a:rPr lang="en-GB" sz="2600">
+                <a:latin typeface="Courier New" panose="02070309020205020404" pitchFamily="49" charset="0"/>
+                <a:cs typeface="Courier New" panose="02070309020205020404" pitchFamily="49" charset="0"/>
+              </a:rPr>
+              <a:t>factory</a:t>
+            </a:r>
+            <a:r>
+              <a:rPr lang="en-GB" sz="2600" smtClean="0">
+                <a:latin typeface="Courier New" panose="02070309020205020404" pitchFamily="49" charset="0"/>
+                <a:cs typeface="Courier New" panose="02070309020205020404" pitchFamily="49" charset="0"/>
+              </a:rPr>
+              <a:t>(‘b', </a:t>
+            </a:r>
+            <a:r>
               <a:rPr lang="en-GB" sz="2600" dirty="0">
                 <a:latin typeface="Courier New" panose="02070309020205020404" pitchFamily="49" charset="0"/>
                 <a:cs typeface="Courier New" panose="02070309020205020404" pitchFamily="49" charset="0"/>
               </a:rPr>
-              <a:t>factory('a', function() { return 123; })</a:t>
+              <a:t>function() { return 123; })</a:t>
             </a:r>
           </a:p>
         </p:txBody>
@@ -5855,13 +5877,21 @@
           <a:p>
             <a:r>
               <a:rPr lang="sr-Latn-RS" dirty="0" smtClean="0"/>
-              <a:t>Prilikom injekcije zavisnosti injektor pronalazi zahtevani „recept“ u registru „recepata“</a:t>
-            </a:r>
-          </a:p>
-          <a:p>
-            <a:r>
-              <a:rPr lang="sr-Latn-RS" dirty="0" smtClean="0"/>
-              <a:t>Pažnja! „Recepti“ su singlton objekti instancirani prilikom pokretanja aplikacije!</a:t>
+              <a:t>Prilikom injekcije zavisnosti </a:t>
+            </a:r>
+            <a:r>
+              <a:rPr lang="sr-Latn-RS" dirty="0"/>
+              <a:t>injektor u registru </a:t>
+            </a:r>
+            <a:r>
+              <a:rPr lang="sr-Latn-RS" dirty="0" smtClean="0"/>
+              <a:t>pronalazi zahtevani servis kreiran po receptu „recept“</a:t>
+            </a:r>
+          </a:p>
+          <a:p>
+            <a:r>
+              <a:rPr lang="sr-Latn-RS" dirty="0" smtClean="0"/>
+              <a:t>Pažnja! Servisi su singlton objekti instancirani prilikom pokretanja aplikacije!</a:t>
             </a:r>
           </a:p>
           <a:p>
@@ -5869,7 +5899,6 @@
               <a:rPr lang="sr-Latn-RS" dirty="0" smtClean="0"/>
               <a:t>Terminološka napomena: </a:t>
             </a:r>
-            <a:endParaRPr lang="sr-Latn-RS" dirty="0" smtClean="0"/>
           </a:p>
           <a:p>
             <a:pPr lvl="1"/>
@@ -5886,17 +5915,8 @@
             </a:r>
             <a:r>
               <a:rPr lang="sr-Latn-RS" dirty="0" smtClean="0"/>
-              <a:t>ermin </a:t>
-            </a:r>
-            <a:r>
-              <a:rPr lang="sr-Latn-RS" dirty="0" smtClean="0"/>
-              <a:t>„recept</a:t>
-            </a:r>
-            <a:r>
-              <a:rPr lang="sr-Latn-RS" dirty="0" smtClean="0"/>
-              <a:t>“ označava kod kojim se servis kreira</a:t>
-            </a:r>
-            <a:endParaRPr lang="sr-Latn-RS" dirty="0" smtClean="0"/>
+              <a:t>ermin „recept“ označava kod kojim se servis kreira</a:t>
+            </a:r>
           </a:p>
         </p:txBody>
       </p:sp>
@@ -5977,13 +5997,8 @@
           <a:p>
             <a:r>
               <a:rPr lang="sr-Latn-RS" dirty="0" smtClean="0"/>
-              <a:t>Najjednostavniji od </a:t>
-            </a:r>
-            <a:r>
-              <a:rPr lang="sr-Latn-RS" dirty="0" smtClean="0"/>
-              <a:t>„recepata“</a:t>
-            </a:r>
-            <a:endParaRPr lang="sr-Latn-RS" dirty="0" smtClean="0"/>
+              <a:t>Najjednostavniji od „recepata“</a:t>
+            </a:r>
           </a:p>
           <a:p>
             <a:r>
@@ -6746,7 +6761,7 @@
             <a:pPr lvl="1"/>
             <a:r>
               <a:rPr lang="sr-Latn-RS" dirty="0" smtClean="0"/>
-              <a:t>Ovi parametri će biti injektovani prilikom poziva funkcije! (možemo da zadamo lanac zavisnosti)</a:t>
+              <a:t>Ovi parametri će biti injektovani prilikom poziva funkcije! (možemo da napravimo lanac zavisnosti)</a:t>
             </a:r>
           </a:p>
           <a:p>
@@ -10744,7 +10759,7 @@
           <a:p>
             <a:r>
               <a:rPr lang="sr-Latn-RS" dirty="0" smtClean="0"/>
-              <a:t>Injektovanje u provajdera</a:t>
+              <a:t>Injektovanje u provider</a:t>
             </a:r>
             <a:endParaRPr lang="en-GB" dirty="0"/>
           </a:p>
@@ -11803,15 +11818,15 @@
           <a:lstStyle/>
           <a:p>
             <a:r>
-              <a:rPr lang="sr-Latn-RS" dirty="0" smtClean="0"/>
+              <a:rPr lang="sr-Latn-RS" dirty="0"/>
               <a:t>DI u AngularJS</a:t>
             </a:r>
             <a:br>
-              <a:rPr lang="sr-Latn-RS" dirty="0" smtClean="0"/>
+              <a:rPr lang="sr-Latn-RS" dirty="0"/>
             </a:br>
             <a:r>
-              <a:rPr lang="sr-Latn-RS" dirty="0" smtClean="0"/>
-              <a:t>Pregled</a:t>
+              <a:rPr lang="sr-Latn-RS" dirty="0"/>
+              <a:t>Cheat sheet</a:t>
             </a:r>
             <a:endParaRPr lang="en-GB" dirty="0"/>
           </a:p>
@@ -12044,7 +12059,7 @@
             </a:br>
             <a:r>
               <a:rPr lang="sr-Latn-RS" dirty="0"/>
-              <a:t>Pregled</a:t>
+              <a:t>Cheat sheet</a:t>
             </a:r>
             <a:endParaRPr lang="en-GB" dirty="0"/>
           </a:p>
@@ -12509,12 +12524,12 @@
           <a:lstStyle/>
           <a:p>
             <a:r>
-              <a:rPr lang="sr-Latn-RS" dirty="0"/>
-              <a:t>n</a:t>
-            </a:r>
-            <a:r>
-              <a:rPr lang="sr-Latn-RS" dirty="0" smtClean="0"/>
-              <a:t>g servisi</a:t>
+              <a:rPr lang="en-GB" dirty="0" smtClean="0"/>
+              <a:t>Angular</a:t>
+            </a:r>
+            <a:r>
+              <a:rPr lang="sr-Latn-RS" dirty="0" smtClean="0"/>
+              <a:t> servisi</a:t>
             </a:r>
             <a:endParaRPr lang="en-GB" dirty="0"/>
           </a:p>
@@ -12671,7 +12686,15 @@
           <a:p>
             <a:r>
               <a:rPr lang="sr-Latn-RS" dirty="0" smtClean="0"/>
-              <a:t>U Angularu je moguće zadati niz zavisnosti servis na tri načina:</a:t>
+              <a:t>U Angularu je moguće zadati niz zavisnosti servis</a:t>
+            </a:r>
+            <a:r>
+              <a:rPr lang="en-GB" dirty="0"/>
+              <a:t>a</a:t>
+            </a:r>
+            <a:r>
+              <a:rPr lang="sr-Latn-RS" dirty="0" smtClean="0"/>
+              <a:t> na tri načina:</a:t>
             </a:r>
           </a:p>
           <a:p>

--- a/05_Servisi/05 Servisi.pptx
+++ b/05_Servisi/05 Servisi.pptx
@@ -328,7 +328,7 @@
           <a:p>
             <a:fld id="{2986D4BE-532F-443B-99AA-016C229502D5}" type="datetimeFigureOut">
               <a:rPr lang="en-GB" smtClean="0"/>
-              <a:t>11/05/2016</a:t>
+              <a:t>18/05/2016</a:t>
             </a:fld>
             <a:endParaRPr lang="en-GB"/>
           </a:p>
@@ -498,7 +498,7 @@
           <a:p>
             <a:fld id="{2986D4BE-532F-443B-99AA-016C229502D5}" type="datetimeFigureOut">
               <a:rPr lang="en-GB" smtClean="0"/>
-              <a:t>11/05/2016</a:t>
+              <a:t>18/05/2016</a:t>
             </a:fld>
             <a:endParaRPr lang="en-GB"/>
           </a:p>
@@ -678,7 +678,7 @@
           <a:p>
             <a:fld id="{2986D4BE-532F-443B-99AA-016C229502D5}" type="datetimeFigureOut">
               <a:rPr lang="en-GB" smtClean="0"/>
-              <a:t>11/05/2016</a:t>
+              <a:t>18/05/2016</a:t>
             </a:fld>
             <a:endParaRPr lang="en-GB"/>
           </a:p>
@@ -848,7 +848,7 @@
           <a:p>
             <a:fld id="{2986D4BE-532F-443B-99AA-016C229502D5}" type="datetimeFigureOut">
               <a:rPr lang="en-GB" smtClean="0"/>
-              <a:t>11/05/2016</a:t>
+              <a:t>18/05/2016</a:t>
             </a:fld>
             <a:endParaRPr lang="en-GB"/>
           </a:p>
@@ -1094,7 +1094,7 @@
           <a:p>
             <a:fld id="{2986D4BE-532F-443B-99AA-016C229502D5}" type="datetimeFigureOut">
               <a:rPr lang="en-GB" smtClean="0"/>
-              <a:t>11/05/2016</a:t>
+              <a:t>18/05/2016</a:t>
             </a:fld>
             <a:endParaRPr lang="en-GB"/>
           </a:p>
@@ -1382,7 +1382,7 @@
           <a:p>
             <a:fld id="{2986D4BE-532F-443B-99AA-016C229502D5}" type="datetimeFigureOut">
               <a:rPr lang="en-GB" smtClean="0"/>
-              <a:t>11/05/2016</a:t>
+              <a:t>18/05/2016</a:t>
             </a:fld>
             <a:endParaRPr lang="en-GB"/>
           </a:p>
@@ -1804,7 +1804,7 @@
           <a:p>
             <a:fld id="{2986D4BE-532F-443B-99AA-016C229502D5}" type="datetimeFigureOut">
               <a:rPr lang="en-GB" smtClean="0"/>
-              <a:t>11/05/2016</a:t>
+              <a:t>18/05/2016</a:t>
             </a:fld>
             <a:endParaRPr lang="en-GB"/>
           </a:p>
@@ -1922,7 +1922,7 @@
           <a:p>
             <a:fld id="{2986D4BE-532F-443B-99AA-016C229502D5}" type="datetimeFigureOut">
               <a:rPr lang="en-GB" smtClean="0"/>
-              <a:t>11/05/2016</a:t>
+              <a:t>18/05/2016</a:t>
             </a:fld>
             <a:endParaRPr lang="en-GB"/>
           </a:p>
@@ -2017,7 +2017,7 @@
           <a:p>
             <a:fld id="{2986D4BE-532F-443B-99AA-016C229502D5}" type="datetimeFigureOut">
               <a:rPr lang="en-GB" smtClean="0"/>
-              <a:t>11/05/2016</a:t>
+              <a:t>18/05/2016</a:t>
             </a:fld>
             <a:endParaRPr lang="en-GB"/>
           </a:p>
@@ -2294,7 +2294,7 @@
           <a:p>
             <a:fld id="{2986D4BE-532F-443B-99AA-016C229502D5}" type="datetimeFigureOut">
               <a:rPr lang="en-GB" smtClean="0"/>
-              <a:t>11/05/2016</a:t>
+              <a:t>18/05/2016</a:t>
             </a:fld>
             <a:endParaRPr lang="en-GB"/>
           </a:p>
@@ -2547,7 +2547,7 @@
           <a:p>
             <a:fld id="{2986D4BE-532F-443B-99AA-016C229502D5}" type="datetimeFigureOut">
               <a:rPr lang="en-GB" smtClean="0"/>
-              <a:t>11/05/2016</a:t>
+              <a:t>18/05/2016</a:t>
             </a:fld>
             <a:endParaRPr lang="en-GB"/>
           </a:p>
@@ -2760,7 +2760,7 @@
           <a:p>
             <a:fld id="{2986D4BE-532F-443B-99AA-016C229502D5}" type="datetimeFigureOut">
               <a:rPr lang="en-GB" smtClean="0"/>
-              <a:t>11/05/2016</a:t>
+              <a:t>18/05/2016</a:t>
             </a:fld>
             <a:endParaRPr lang="en-GB"/>
           </a:p>
@@ -11917,15 +11917,35 @@
             <a:pPr lvl="1"/>
             <a:r>
               <a:rPr lang="en-GB" dirty="0"/>
-              <a:t>provider function </a:t>
+              <a:t>p</a:t>
+            </a:r>
+            <a:r>
+              <a:rPr lang="en-GB" dirty="0" smtClean="0"/>
+              <a:t>rovider </a:t>
+            </a:r>
+            <a:r>
+              <a:rPr lang="sr-Latn-RS" dirty="0" smtClean="0"/>
+              <a:t>konstruktor</a:t>
+            </a:r>
+            <a:r>
+              <a:rPr lang="en-GB" dirty="0" smtClean="0"/>
+              <a:t> </a:t>
+            </a:r>
+            <a:r>
+              <a:rPr lang="en-GB" dirty="0"/>
+              <a:t>function </a:t>
             </a:r>
             <a:r>
               <a:rPr lang="en-GB" dirty="0" smtClean="0"/>
               <a:t>(</a:t>
             </a:r>
             <a:r>
-              <a:rPr lang="sr-Latn-RS" dirty="0" smtClean="0"/>
-              <a:t>kada se kreira provajder kao konstruktor</a:t>
+              <a:rPr lang="sr-Latn-RS" smtClean="0"/>
+              <a:t>u config </a:t>
+            </a:r>
+            <a:r>
+              <a:rPr lang="sr-Latn-RS" dirty="0" smtClean="0"/>
+              <a:t>fazi</a:t>
             </a:r>
             <a:r>
               <a:rPr lang="en-GB" dirty="0" smtClean="0"/>
